--- a/notes/working/thesis-figures.pptx
+++ b/notes/working/thesis-figures.pptx
@@ -286,7 +286,7 @@
           <a:p>
             <a:fld id="{26FCF1B3-1EAF-4CC7-B071-A4BB5A7DCB5D}" type="datetimeFigureOut">
               <a:rPr lang="en-AU" smtClean="0"/>
-              <a:t>13/05/2017</a:t>
+              <a:t>26/05/2017</a:t>
             </a:fld>
             <a:endParaRPr lang="en-AU"/>
           </a:p>
@@ -456,7 +456,7 @@
           <a:p>
             <a:fld id="{26FCF1B3-1EAF-4CC7-B071-A4BB5A7DCB5D}" type="datetimeFigureOut">
               <a:rPr lang="en-AU" smtClean="0"/>
-              <a:t>13/05/2017</a:t>
+              <a:t>26/05/2017</a:t>
             </a:fld>
             <a:endParaRPr lang="en-AU"/>
           </a:p>
@@ -636,7 +636,7 @@
           <a:p>
             <a:fld id="{26FCF1B3-1EAF-4CC7-B071-A4BB5A7DCB5D}" type="datetimeFigureOut">
               <a:rPr lang="en-AU" smtClean="0"/>
-              <a:t>13/05/2017</a:t>
+              <a:t>26/05/2017</a:t>
             </a:fld>
             <a:endParaRPr lang="en-AU"/>
           </a:p>
@@ -806,7 +806,7 @@
           <a:p>
             <a:fld id="{26FCF1B3-1EAF-4CC7-B071-A4BB5A7DCB5D}" type="datetimeFigureOut">
               <a:rPr lang="en-AU" smtClean="0"/>
-              <a:t>13/05/2017</a:t>
+              <a:t>26/05/2017</a:t>
             </a:fld>
             <a:endParaRPr lang="en-AU"/>
           </a:p>
@@ -1052,7 +1052,7 @@
           <a:p>
             <a:fld id="{26FCF1B3-1EAF-4CC7-B071-A4BB5A7DCB5D}" type="datetimeFigureOut">
               <a:rPr lang="en-AU" smtClean="0"/>
-              <a:t>13/05/2017</a:t>
+              <a:t>26/05/2017</a:t>
             </a:fld>
             <a:endParaRPr lang="en-AU"/>
           </a:p>
@@ -1284,7 +1284,7 @@
           <a:p>
             <a:fld id="{26FCF1B3-1EAF-4CC7-B071-A4BB5A7DCB5D}" type="datetimeFigureOut">
               <a:rPr lang="en-AU" smtClean="0"/>
-              <a:t>13/05/2017</a:t>
+              <a:t>26/05/2017</a:t>
             </a:fld>
             <a:endParaRPr lang="en-AU"/>
           </a:p>
@@ -1651,7 +1651,7 @@
           <a:p>
             <a:fld id="{26FCF1B3-1EAF-4CC7-B071-A4BB5A7DCB5D}" type="datetimeFigureOut">
               <a:rPr lang="en-AU" smtClean="0"/>
-              <a:t>13/05/2017</a:t>
+              <a:t>26/05/2017</a:t>
             </a:fld>
             <a:endParaRPr lang="en-AU"/>
           </a:p>
@@ -1769,7 +1769,7 @@
           <a:p>
             <a:fld id="{26FCF1B3-1EAF-4CC7-B071-A4BB5A7DCB5D}" type="datetimeFigureOut">
               <a:rPr lang="en-AU" smtClean="0"/>
-              <a:t>13/05/2017</a:t>
+              <a:t>26/05/2017</a:t>
             </a:fld>
             <a:endParaRPr lang="en-AU"/>
           </a:p>
@@ -1864,7 +1864,7 @@
           <a:p>
             <a:fld id="{26FCF1B3-1EAF-4CC7-B071-A4BB5A7DCB5D}" type="datetimeFigureOut">
               <a:rPr lang="en-AU" smtClean="0"/>
-              <a:t>13/05/2017</a:t>
+              <a:t>26/05/2017</a:t>
             </a:fld>
             <a:endParaRPr lang="en-AU"/>
           </a:p>
@@ -2141,7 +2141,7 @@
           <a:p>
             <a:fld id="{26FCF1B3-1EAF-4CC7-B071-A4BB5A7DCB5D}" type="datetimeFigureOut">
               <a:rPr lang="en-AU" smtClean="0"/>
-              <a:t>13/05/2017</a:t>
+              <a:t>26/05/2017</a:t>
             </a:fld>
             <a:endParaRPr lang="en-AU"/>
           </a:p>
@@ -2394,7 +2394,7 @@
           <a:p>
             <a:fld id="{26FCF1B3-1EAF-4CC7-B071-A4BB5A7DCB5D}" type="datetimeFigureOut">
               <a:rPr lang="en-AU" smtClean="0"/>
-              <a:t>13/05/2017</a:t>
+              <a:t>26/05/2017</a:t>
             </a:fld>
             <a:endParaRPr lang="en-AU"/>
           </a:p>
@@ -2607,7 +2607,7 @@
           <a:p>
             <a:fld id="{26FCF1B3-1EAF-4CC7-B071-A4BB5A7DCB5D}" type="datetimeFigureOut">
               <a:rPr lang="en-AU" smtClean="0"/>
-              <a:t>13/05/2017</a:t>
+              <a:t>26/05/2017</a:t>
             </a:fld>
             <a:endParaRPr lang="en-AU"/>
           </a:p>
@@ -3638,16 +3638,8 @@
                 <a:ea typeface="CMU Serif" panose="02000603000000000000" pitchFamily="2" charset="0"/>
                 <a:cs typeface="CMU Serif" panose="02000603000000000000" pitchFamily="2" charset="0"/>
               </a:rPr>
-              <a:t>Candidate Pipelines</a:t>
-            </a:r>
-            <a:endParaRPr lang="en-AU" sz="1400" b="1" dirty="0">
-              <a:solidFill>
-                <a:schemeClr val="tx1"/>
-              </a:solidFill>
-              <a:latin typeface="CMU Serif" panose="02000603000000000000" pitchFamily="2" charset="0"/>
-              <a:ea typeface="CMU Serif" panose="02000603000000000000" pitchFamily="2" charset="0"/>
-              <a:cs typeface="CMU Serif" panose="02000603000000000000" pitchFamily="2" charset="0"/>
-            </a:endParaRPr>
+              <a:t>Scored Pipelines</a:t>
+            </a:r>
           </a:p>
         </p:txBody>
       </p:sp>
@@ -3871,23 +3863,20 @@
       </p:cxnSp>
       <p:sp>
         <p:nvSpPr>
-          <p:cNvPr id="66" name="Rectangle: Diagonal Corners Snipped 65"/>
+          <p:cNvPr id="66" name="Hexagon 65"/>
           <p:cNvSpPr/>
           <p:nvPr/>
         </p:nvSpPr>
         <p:spPr>
           <a:xfrm>
-            <a:off x="167851" y="5727274"/>
-            <a:ext cx="1882487" cy="811212"/>
-          </a:xfrm>
-          <a:prstGeom prst="snip2DiagRect">
+            <a:off x="56036" y="5727274"/>
+            <a:ext cx="2106117" cy="811212"/>
+          </a:xfrm>
+          <a:prstGeom prst="hexagon">
             <a:avLst/>
           </a:prstGeom>
           <a:solidFill>
-            <a:schemeClr val="accent6">
-              <a:lumMod val="60000"/>
-              <a:lumOff val="40000"/>
-            </a:schemeClr>
+            <a:srgbClr val="30D482"/>
           </a:solidFill>
           <a:ln w="28575">
             <a:solidFill>
@@ -3938,7 +3927,6 @@
           <p:cNvPr id="67" name="Straight Arrow Connector 66"/>
           <p:cNvCxnSpPr>
             <a:cxnSpLocks/>
-            <a:stCxn id="66" idx="3"/>
             <a:endCxn id="5" idx="4"/>
           </p:cNvCxnSpPr>
           <p:nvPr/>
@@ -3951,11 +3939,9 @@
           <a:prstGeom prst="straightConnector1">
             <a:avLst/>
           </a:prstGeom>
-          <a:ln w="28575">
-            <a:solidFill>
-              <a:schemeClr val="bg2">
-                <a:lumMod val="25000"/>
-              </a:schemeClr>
+          <a:ln w="57150">
+            <a:solidFill>
+              <a:srgbClr val="30D482"/>
             </a:solidFill>
             <a:prstDash val="dash"/>
             <a:headEnd type="none" w="med" len="med"/>
@@ -3979,7 +3965,7 @@
       </p:cxnSp>
       <p:sp>
         <p:nvSpPr>
-          <p:cNvPr id="69" name="Rectangle: Diagonal Corners Snipped 68"/>
+          <p:cNvPr id="69" name="Hexagon 68"/>
           <p:cNvSpPr/>
           <p:nvPr/>
         </p:nvSpPr>
@@ -3988,14 +3974,11 @@
             <a:off x="3828243" y="5723252"/>
             <a:ext cx="2342104" cy="815234"/>
           </a:xfrm>
-          <a:prstGeom prst="snip2DiagRect">
+          <a:prstGeom prst="hexagon">
             <a:avLst/>
           </a:prstGeom>
           <a:solidFill>
-            <a:schemeClr val="accent6">
-              <a:lumMod val="60000"/>
-              <a:lumOff val="40000"/>
-            </a:schemeClr>
+            <a:srgbClr val="30D482"/>
           </a:solidFill>
           <a:ln w="28575">
             <a:solidFill>
@@ -4061,7 +4044,6 @@
           <p:cNvCxnSpPr>
             <a:cxnSpLocks/>
             <a:stCxn id="6" idx="4"/>
-            <a:endCxn id="69" idx="3"/>
           </p:cNvCxnSpPr>
           <p:nvPr/>
         </p:nvCxnSpPr>
@@ -4073,11 +4055,9 @@
           <a:prstGeom prst="straightConnector1">
             <a:avLst/>
           </a:prstGeom>
-          <a:ln w="28575">
-            <a:solidFill>
-              <a:schemeClr val="bg2">
-                <a:lumMod val="25000"/>
-              </a:schemeClr>
+          <a:ln w="57150">
+            <a:solidFill>
+              <a:srgbClr val="30D482"/>
             </a:solidFill>
             <a:prstDash val="dash"/>
             <a:headEnd type="none" w="med" len="med"/>
@@ -4105,14 +4085,14 @@
           <p:cNvCxnSpPr>
             <a:cxnSpLocks/>
             <a:stCxn id="34" idx="1"/>
-            <a:endCxn id="5" idx="0"/>
+            <a:endCxn id="5" idx="7"/>
           </p:cNvCxnSpPr>
           <p:nvPr/>
         </p:nvCxnSpPr>
         <p:spPr>
           <a:xfrm flipH="1">
-            <a:off x="1109095" y="2911374"/>
-            <a:ext cx="3204400" cy="1060304"/>
+            <a:off x="1642522" y="2911374"/>
+            <a:ext cx="2670973" cy="1281257"/>
           </a:xfrm>
           <a:prstGeom prst="straightConnector1">
             <a:avLst/>
@@ -4189,14 +4169,14 @@
           <p:cNvCxnSpPr>
             <a:cxnSpLocks/>
             <a:stCxn id="34" idx="3"/>
-            <a:endCxn id="7" idx="0"/>
+            <a:endCxn id="7" idx="1"/>
           </p:cNvCxnSpPr>
           <p:nvPr/>
         </p:nvCxnSpPr>
         <p:spPr>
           <a:xfrm>
             <a:off x="5685095" y="2911374"/>
-            <a:ext cx="3272980" cy="1060304"/>
+            <a:ext cx="2739553" cy="1281257"/>
           </a:xfrm>
           <a:prstGeom prst="straightConnector1">
             <a:avLst/>
@@ -4388,7 +4368,7 @@
         </p:nvSpPr>
         <p:spPr>
           <a:xfrm>
-            <a:off x="8272275" y="2225574"/>
+            <a:off x="8272275" y="1643753"/>
             <a:ext cx="1371600" cy="1371600"/>
           </a:xfrm>
           <a:prstGeom prst="roundRect">
@@ -4463,14 +4443,14 @@
           <p:cNvCxnSpPr>
             <a:cxnSpLocks/>
             <a:stCxn id="4" idx="6"/>
-            <a:endCxn id="203" idx="0"/>
+            <a:endCxn id="203" idx="1"/>
           </p:cNvCxnSpPr>
           <p:nvPr/>
         </p:nvCxnSpPr>
         <p:spPr>
           <a:xfrm>
             <a:off x="5753675" y="1194090"/>
-            <a:ext cx="3204400" cy="1031484"/>
+            <a:ext cx="2518600" cy="1135463"/>
           </a:xfrm>
           <a:prstGeom prst="straightConnector1">
             <a:avLst/>
@@ -4511,8 +4491,8 @@
         </p:nvCxnSpPr>
         <p:spPr>
           <a:xfrm>
-            <a:off x="8958075" y="3597174"/>
-            <a:ext cx="0" cy="374504"/>
+            <a:off x="8958075" y="3015353"/>
+            <a:ext cx="0" cy="956325"/>
           </a:xfrm>
           <a:prstGeom prst="straightConnector1">
             <a:avLst/>
@@ -16800,9 +16780,9 @@
           <a:solidFill>
             <a:schemeClr val="bg1"/>
           </a:solidFill>
-          <a:ln w="28575">
-            <a:solidFill>
-              <a:schemeClr val="accent6"/>
+          <a:ln w="57150">
+            <a:solidFill>
+              <a:srgbClr val="30D482"/>
             </a:solidFill>
             <a:prstDash val="dash"/>
           </a:ln>
@@ -18127,7 +18107,7 @@
                 <a:ea typeface="CMU Serif" panose="02000603000000000000" pitchFamily="2" charset="0"/>
                 <a:cs typeface="CMU Serif" panose="02000603000000000000" pitchFamily="2" charset="0"/>
               </a:rPr>
-              <a:t>SQLite Relation</a:t>
+              <a:t>SQLite Table</a:t>
             </a:r>
             <a:endParaRPr lang="en-AU" sz="1200" b="1" dirty="0">
               <a:solidFill>
@@ -18148,8 +18128,8 @@
         </p:nvSpPr>
         <p:spPr>
           <a:xfrm>
-            <a:off x="4963953" y="4113711"/>
-            <a:ext cx="1005840" cy="987552"/>
+            <a:off x="5009673" y="4119597"/>
+            <a:ext cx="914400" cy="914400"/>
           </a:xfrm>
           <a:prstGeom prst="ellipse">
             <a:avLst/>
@@ -18198,7 +18178,7 @@
                 <a:ea typeface="CMU Serif" panose="02000603000000000000" pitchFamily="2" charset="0"/>
                 <a:cs typeface="CMU Serif" panose="02000603000000000000" pitchFamily="2" charset="0"/>
               </a:rPr>
-              <a:t>Merge Databases</a:t>
+              <a:t>Add Table to Database</a:t>
             </a:r>
             <a:endParaRPr lang="en-AU" sz="1100" b="1" dirty="0">
               <a:solidFill>
@@ -18223,8 +18203,8 @@
         </p:nvCxnSpPr>
         <p:spPr>
           <a:xfrm flipV="1">
-            <a:off x="5466873" y="5101263"/>
-            <a:ext cx="0" cy="303552"/>
+            <a:off x="5466873" y="5033997"/>
+            <a:ext cx="0" cy="370818"/>
           </a:xfrm>
           <a:prstGeom prst="straightConnector1">
             <a:avLst/>
@@ -18432,7 +18412,7 @@
         <p:spPr>
           <a:xfrm flipV="1">
             <a:off x="5466873" y="3886200"/>
-            <a:ext cx="0" cy="227511"/>
+            <a:ext cx="0" cy="233397"/>
           </a:xfrm>
           <a:prstGeom prst="straightConnector1">
             <a:avLst/>
@@ -18583,7 +18563,7 @@
       </p:cxnSp>
       <p:sp>
         <p:nvSpPr>
-          <p:cNvPr id="129" name="Rectangle: Diagonal Corners Snipped 128"/>
+          <p:cNvPr id="129" name="Hexagon 128"/>
           <p:cNvSpPr/>
           <p:nvPr/>
         </p:nvSpPr>
@@ -18592,14 +18572,11 @@
             <a:off x="7108309" y="1470625"/>
             <a:ext cx="3326146" cy="469625"/>
           </a:xfrm>
-          <a:prstGeom prst="snip2DiagRect">
+          <a:prstGeom prst="hexagon">
             <a:avLst/>
           </a:prstGeom>
           <a:solidFill>
-            <a:schemeClr val="accent6">
-              <a:lumMod val="60000"/>
-              <a:lumOff val="40000"/>
-            </a:schemeClr>
+            <a:srgbClr val="30D482"/>
           </a:solidFill>
           <a:ln w="28575">
             <a:solidFill>
@@ -18910,9 +18887,9 @@
           <a:solidFill>
             <a:schemeClr val="bg1"/>
           </a:solidFill>
-          <a:ln w="28575">
-            <a:solidFill>
-              <a:schemeClr val="accent6"/>
+          <a:ln w="57150">
+            <a:solidFill>
+              <a:srgbClr val="30D482"/>
             </a:solidFill>
             <a:prstDash val="dash"/>
           </a:ln>
@@ -18951,7 +18928,7 @@
       </p:sp>
       <p:sp>
         <p:nvSpPr>
-          <p:cNvPr id="148" name="Rectangle: Diagonal Corners Snipped 147"/>
+          <p:cNvPr id="148" name="Hexagon 147"/>
           <p:cNvSpPr/>
           <p:nvPr/>
         </p:nvSpPr>
@@ -18960,14 +18937,11 @@
             <a:off x="6364705" y="1659590"/>
             <a:ext cx="3607416" cy="469625"/>
           </a:xfrm>
-          <a:prstGeom prst="snip2DiagRect">
+          <a:prstGeom prst="hexagon">
             <a:avLst/>
           </a:prstGeom>
           <a:solidFill>
-            <a:schemeClr val="accent6">
-              <a:lumMod val="60000"/>
-              <a:lumOff val="40000"/>
-            </a:schemeClr>
+            <a:srgbClr val="30D482"/>
           </a:solidFill>
           <a:ln w="28575">
             <a:solidFill>
@@ -20169,7 +20143,7 @@
                 <a:ea typeface="CMU Serif" panose="02000603000000000000" pitchFamily="2" charset="0"/>
                 <a:cs typeface="CMU Serif" panose="02000603000000000000" pitchFamily="2" charset="0"/>
               </a:rPr>
-              <a:t>Candidate Pipelines</a:t>
+              <a:t>Scored Pipelines</a:t>
             </a:r>
             <a:endParaRPr lang="en-AU" sz="1200" b="1" dirty="0">
               <a:solidFill>
@@ -20734,8 +20708,8 @@
         </p:nvSpPr>
         <p:spPr>
           <a:xfrm>
-            <a:off x="3140242" y="3449963"/>
-            <a:ext cx="6870032" cy="1490108"/>
+            <a:off x="3140242" y="1804737"/>
+            <a:ext cx="6870032" cy="3135334"/>
           </a:xfrm>
           <a:prstGeom prst="rect">
             <a:avLst/>
@@ -20743,9 +20717,9 @@
           <a:solidFill>
             <a:schemeClr val="bg1"/>
           </a:solidFill>
-          <a:ln w="28575">
-            <a:solidFill>
-              <a:schemeClr val="accent6"/>
+          <a:ln w="57150">
+            <a:solidFill>
+              <a:srgbClr val="30D482"/>
             </a:solidFill>
             <a:prstDash val="dash"/>
           </a:ln>
@@ -20779,52 +20753,6 @@
               <a:ea typeface="CMU Serif" panose="02000603000000000000" pitchFamily="2" charset="0"/>
               <a:cs typeface="CMU Serif" panose="02000603000000000000" pitchFamily="2" charset="0"/>
             </a:endParaRPr>
-          </a:p>
-        </p:txBody>
-      </p:sp>
-      <p:sp>
-        <p:nvSpPr>
-          <p:cNvPr id="6" name="Rectangle 5"/>
-          <p:cNvSpPr/>
-          <p:nvPr/>
-        </p:nvSpPr>
-        <p:spPr>
-          <a:xfrm>
-            <a:off x="2910292" y="3387242"/>
-            <a:ext cx="7388739" cy="78079"/>
-          </a:xfrm>
-          <a:prstGeom prst="rect">
-            <a:avLst/>
-          </a:prstGeom>
-          <a:solidFill>
-            <a:schemeClr val="bg1"/>
-          </a:solidFill>
-          <a:ln>
-            <a:noFill/>
-          </a:ln>
-        </p:spPr>
-        <p:style>
-          <a:lnRef idx="2">
-            <a:schemeClr val="accent1">
-              <a:shade val="50000"/>
-            </a:schemeClr>
-          </a:lnRef>
-          <a:fillRef idx="1">
-            <a:schemeClr val="accent1"/>
-          </a:fillRef>
-          <a:effectRef idx="0">
-            <a:schemeClr val="accent1"/>
-          </a:effectRef>
-          <a:fontRef idx="minor">
-            <a:schemeClr val="lt1"/>
-          </a:fontRef>
-        </p:style>
-        <p:txBody>
-          <a:bodyPr rtlCol="0" anchor="ctr"/>
-          <a:lstStyle/>
-          <a:p>
-            <a:pPr algn="ctr"/>
-            <a:endParaRPr lang="en-AU"/>
           </a:p>
         </p:txBody>
       </p:sp>
@@ -21680,7 +21608,7 @@
       </p:cxnSp>
       <p:sp>
         <p:nvSpPr>
-          <p:cNvPr id="61" name="Rectangle: Diagonal Corners Snipped 60"/>
+          <p:cNvPr id="61" name="Hexagon 60"/>
           <p:cNvSpPr/>
           <p:nvPr/>
         </p:nvSpPr>
@@ -21689,14 +21617,11 @@
             <a:off x="6868662" y="4705725"/>
             <a:ext cx="2898392" cy="457200"/>
           </a:xfrm>
-          <a:prstGeom prst="snip2DiagRect">
+          <a:prstGeom prst="hexagon">
             <a:avLst/>
           </a:prstGeom>
           <a:solidFill>
-            <a:schemeClr val="accent6">
-              <a:lumMod val="60000"/>
-              <a:lumOff val="40000"/>
-            </a:schemeClr>
+            <a:srgbClr val="30D482"/>
           </a:solidFill>
           <a:ln w="28575">
             <a:solidFill>
@@ -21884,7 +21809,7 @@
                 <a:ea typeface="CMU Serif" panose="02000603000000000000" pitchFamily="2" charset="0"/>
                 <a:cs typeface="CMU Serif" panose="02000603000000000000" pitchFamily="2" charset="0"/>
               </a:rPr>
-              <a:t>Candidate Pipelines</a:t>
+              <a:t>Scored Pipelines</a:t>
             </a:r>
             <a:endParaRPr lang="en-AU" sz="1200" b="1" dirty="0">
               <a:solidFill>
@@ -22682,7 +22607,7 @@
       </p:cxnSp>
       <p:sp>
         <p:nvSpPr>
-          <p:cNvPr id="40" name="Rectangle: Diagonal Corners Snipped 39"/>
+          <p:cNvPr id="40" name="Hexagon 39"/>
           <p:cNvSpPr/>
           <p:nvPr/>
         </p:nvSpPr>
@@ -22691,14 +22616,11 @@
             <a:off x="7279270" y="2013587"/>
             <a:ext cx="1731329" cy="457200"/>
           </a:xfrm>
-          <a:prstGeom prst="snip2DiagRect">
+          <a:prstGeom prst="hexagon">
             <a:avLst/>
           </a:prstGeom>
           <a:solidFill>
-            <a:schemeClr val="accent6">
-              <a:lumMod val="60000"/>
-              <a:lumOff val="40000"/>
-            </a:schemeClr>
+            <a:srgbClr val="30D482"/>
           </a:solidFill>
           <a:ln w="28575">
             <a:solidFill>
@@ -22749,7 +22671,6 @@
           <p:cNvPr id="8" name="Straight Connector 7"/>
           <p:cNvCxnSpPr>
             <a:stCxn id="14" idx="7"/>
-            <a:endCxn id="40" idx="1"/>
           </p:cNvCxnSpPr>
           <p:nvPr/>
         </p:nvCxnSpPr>
@@ -22761,9 +22682,9 @@
           <a:prstGeom prst="line">
             <a:avLst/>
           </a:prstGeom>
-          <a:ln w="28575">
-            <a:solidFill>
-              <a:schemeClr val="accent6"/>
+          <a:ln w="57150">
+            <a:solidFill>
+              <a:srgbClr val="30D482"/>
             </a:solidFill>
             <a:prstDash val="dash"/>
           </a:ln>
@@ -24498,7 +24419,7 @@
                 <a:ea typeface="CMU Serif" panose="02000603000000000000" pitchFamily="2" charset="0"/>
                 <a:cs typeface="CMU Serif" panose="02000603000000000000" pitchFamily="2" charset="0"/>
               </a:rPr>
-              <a:t>Candidate Pipelines</a:t>
+              <a:t>Scored Pipelines</a:t>
             </a:r>
             <a:endParaRPr lang="en-AU" sz="1200" b="1" dirty="0">
               <a:solidFill>
@@ -25023,9 +24944,9 @@
           <a:solidFill>
             <a:schemeClr val="bg1"/>
           </a:solidFill>
-          <a:ln w="28575">
-            <a:solidFill>
-              <a:schemeClr val="accent6"/>
+          <a:ln w="57150">
+            <a:solidFill>
+              <a:srgbClr val="30D482"/>
             </a:solidFill>
             <a:prstDash val="dash"/>
           </a:ln>
@@ -26679,7 +26600,7 @@
                 <a:ea typeface="CMU Serif" panose="02000603000000000000" pitchFamily="2" charset="0"/>
                 <a:cs typeface="CMU Serif" panose="02000603000000000000" pitchFamily="2" charset="0"/>
               </a:rPr>
-              <a:t>Candidate Pipelines</a:t>
+              <a:t>Scored Pipelines</a:t>
             </a:r>
             <a:endParaRPr lang="en-AU" sz="1200" b="1" dirty="0">
               <a:solidFill>
@@ -27730,23 +27651,20 @@
       </p:cxnSp>
       <p:sp>
         <p:nvSpPr>
-          <p:cNvPr id="199" name="Rectangle: Diagonal Corners Snipped 198"/>
+          <p:cNvPr id="199" name="Hexagon 198"/>
           <p:cNvSpPr/>
           <p:nvPr/>
         </p:nvSpPr>
         <p:spPr>
           <a:xfrm>
-            <a:off x="8388551" y="1110405"/>
-            <a:ext cx="2203662" cy="1520292"/>
-          </a:xfrm>
-          <a:prstGeom prst="snip2DiagRect">
+            <a:off x="8047503" y="1110405"/>
+            <a:ext cx="2544709" cy="1520292"/>
+          </a:xfrm>
+          <a:prstGeom prst="hexagon">
             <a:avLst/>
           </a:prstGeom>
           <a:solidFill>
-            <a:schemeClr val="accent6">
-              <a:lumMod val="60000"/>
-              <a:lumOff val="40000"/>
-            </a:schemeClr>
+            <a:srgbClr val="30D482"/>
           </a:solidFill>
           <a:ln w="28575">
             <a:solidFill>
@@ -27812,7 +27730,7 @@
                 <a:ea typeface="CMU Serif" panose="02000603000000000000" pitchFamily="2" charset="0"/>
                 <a:cs typeface="CMU Serif" panose="02000603000000000000" pitchFamily="2" charset="0"/>
               </a:rPr>
-              <a:t>- Training Examples</a:t>
+              <a:t>- Training Set Size</a:t>
             </a:r>
           </a:p>
           <a:p>
